--- a/2_WebApps/WebApps.pptx
+++ b/2_WebApps/WebApps.pptx
@@ -20934,11 +20934,7 @@
           <a:p>
             <a:r>
               <a:rPr lang="en-US" dirty="0" smtClean="0"/>
-              <a:t>Web </a:t>
-            </a:r>
-            <a:r>
-              <a:rPr lang="en-US" dirty="0" smtClean="0"/>
-              <a:t>Apps in Azure</a:t>
+              <a:t>Web Apps in Azure</a:t>
             </a:r>
             <a:endParaRPr lang="en-US" dirty="0"/>
           </a:p>
@@ -24764,7 +24760,7 @@
               <a:buSzPct val="80000"/>
             </a:pPr>
             <a:r>
-              <a:rPr lang="en-US" sz="2000" spc="-83" dirty="0">
+              <a:rPr lang="en-US" sz="2000" spc="-83">
                 <a:gradFill>
                   <a:gsLst>
                     <a:gs pos="0">
@@ -24778,8 +24774,39 @@
                 </a:gradFill>
                 <a:latin typeface="Segoe UI Light" pitchFamily="34" charset="0"/>
               </a:rPr>
-              <a:t>Continuous development</a:t>
-            </a:r>
+              <a:t>Continuous </a:t>
+            </a:r>
+            <a:r>
+              <a:rPr lang="en-US" sz="2000" spc="-83" smtClean="0">
+                <a:gradFill>
+                  <a:gsLst>
+                    <a:gs pos="0">
+                      <a:schemeClr val="bg1"/>
+                    </a:gs>
+                    <a:gs pos="100000">
+                      <a:schemeClr val="bg1"/>
+                    </a:gs>
+                  </a:gsLst>
+                  <a:lin ang="16200000" scaled="0"/>
+                </a:gradFill>
+                <a:latin typeface="Segoe UI Light" pitchFamily="34" charset="0"/>
+              </a:rPr>
+              <a:t>deployment</a:t>
+            </a:r>
+            <a:endParaRPr lang="en-US" sz="2000" spc="-83" dirty="0">
+              <a:gradFill>
+                <a:gsLst>
+                  <a:gs pos="0">
+                    <a:schemeClr val="bg1"/>
+                  </a:gs>
+                  <a:gs pos="100000">
+                    <a:schemeClr val="bg1"/>
+                  </a:gs>
+                </a:gsLst>
+                <a:lin ang="16200000" scaled="0"/>
+              </a:gradFill>
+              <a:latin typeface="Segoe UI Light" pitchFamily="34" charset="0"/>
+            </a:endParaRPr>
           </a:p>
           <a:p>
             <a:pPr marL="3175" defTabSz="914153">
@@ -26943,7 +26970,7 @@
             <a:noFill/>
             <a:extLst>
               <a:ext uri="{909E8E84-426E-40dd-AFC4-6F175D3DCCD1}">
-                <a14:hiddenFill xmlns="" xmlns:a14="http://schemas.microsoft.com/office/drawing/2010/main">
+                <a14:hiddenFill xmlns:a14="http://schemas.microsoft.com/office/drawing/2010/main" xmlns="">
                   <a:solidFill>
                     <a:srgbClr val="FFFFFF"/>
                   </a:solidFill>
@@ -27001,7 +27028,7 @@
             <a:noFill/>
             <a:extLst>
               <a:ext uri="{909E8E84-426E-40dd-AFC4-6F175D3DCCD1}">
-                <a14:hiddenFill xmlns="" xmlns:a14="http://schemas.microsoft.com/office/drawing/2010/main">
+                <a14:hiddenFill xmlns:a14="http://schemas.microsoft.com/office/drawing/2010/main" xmlns="">
                   <a:solidFill>
                     <a:srgbClr val="FFFFFF"/>
                   </a:solidFill>
@@ -27065,7 +27092,7 @@
             <a:noFill/>
             <a:extLst>
               <a:ext uri="{909E8E84-426E-40dd-AFC4-6F175D3DCCD1}">
-                <a14:hiddenFill xmlns="" xmlns:a14="http://schemas.microsoft.com/office/drawing/2010/main">
+                <a14:hiddenFill xmlns:a14="http://schemas.microsoft.com/office/drawing/2010/main" xmlns="">
                   <a:solidFill>
                     <a:srgbClr val="FFFFFF"/>
                   </a:solidFill>
@@ -29477,7 +29504,7 @@
           <a:noFill/>
           <a:extLst>
             <a:ext uri="{909E8E84-426E-40dd-AFC4-6F175D3DCCD1}">
-              <a14:hiddenFill xmlns="" xmlns:a14="http://schemas.microsoft.com/office/drawing/2010/main">
+              <a14:hiddenFill xmlns:a14="http://schemas.microsoft.com/office/drawing/2010/main" xmlns="">
                 <a:solidFill>
                   <a:srgbClr val="FFFFFF"/>
                 </a:solidFill>
@@ -33879,7 +33906,7 @@
             <a:noFill/>
             <a:extLst>
               <a:ext uri="{909E8E84-426E-40dd-AFC4-6F175D3DCCD1}">
-                <a14:hiddenFill xmlns="" xmlns:a14="http://schemas.microsoft.com/office/drawing/2010/main">
+                <a14:hiddenFill xmlns:a14="http://schemas.microsoft.com/office/drawing/2010/main" xmlns="">
                   <a:solidFill>
                     <a:srgbClr val="FFFFFF"/>
                   </a:solidFill>
@@ -34479,7 +34506,7 @@
           <a:noFill/>
           <a:extLst>
             <a:ext uri="{909E8E84-426E-40dd-AFC4-6F175D3DCCD1}">
-              <a14:hiddenFill xmlns="" xmlns:a14="http://schemas.microsoft.com/office/drawing/2010/main">
+              <a14:hiddenFill xmlns:a14="http://schemas.microsoft.com/office/drawing/2010/main" xmlns="">
                 <a:solidFill>
                   <a:srgbClr val="FFFFFF"/>
                 </a:solidFill>
@@ -34520,7 +34547,7 @@
           <a:noFill/>
           <a:extLst>
             <a:ext uri="{909E8E84-426E-40dd-AFC4-6F175D3DCCD1}">
-              <a14:hiddenFill xmlns="" xmlns:a14="http://schemas.microsoft.com/office/drawing/2010/main">
+              <a14:hiddenFill xmlns:a14="http://schemas.microsoft.com/office/drawing/2010/main" xmlns="">
                 <a:solidFill>
                   <a:srgbClr val="FFFFFF"/>
                 </a:solidFill>
@@ -34561,7 +34588,7 @@
           <a:noFill/>
           <a:extLst>
             <a:ext uri="{909E8E84-426E-40dd-AFC4-6F175D3DCCD1}">
-              <a14:hiddenFill xmlns="" xmlns:a14="http://schemas.microsoft.com/office/drawing/2010/main">
+              <a14:hiddenFill xmlns:a14="http://schemas.microsoft.com/office/drawing/2010/main" xmlns="">
                 <a:solidFill>
                   <a:srgbClr val="FFFFFF"/>
                 </a:solidFill>
@@ -34602,7 +34629,7 @@
           <a:noFill/>
           <a:extLst>
             <a:ext uri="{909E8E84-426E-40dd-AFC4-6F175D3DCCD1}">
-              <a14:hiddenFill xmlns="" xmlns:a14="http://schemas.microsoft.com/office/drawing/2010/main">
+              <a14:hiddenFill xmlns:a14="http://schemas.microsoft.com/office/drawing/2010/main" xmlns="">
                 <a:solidFill>
                   <a:srgbClr val="FFFFFF"/>
                 </a:solidFill>
@@ -34643,7 +34670,7 @@
           <a:noFill/>
           <a:extLst>
             <a:ext uri="{909E8E84-426E-40dd-AFC4-6F175D3DCCD1}">
-              <a14:hiddenFill xmlns="" xmlns:a14="http://schemas.microsoft.com/office/drawing/2010/main">
+              <a14:hiddenFill xmlns:a14="http://schemas.microsoft.com/office/drawing/2010/main" xmlns="">
                 <a:solidFill>
                   <a:srgbClr val="FFFFFF"/>
                 </a:solidFill>
@@ -34684,7 +34711,7 @@
           <a:noFill/>
           <a:extLst>
             <a:ext uri="{909E8E84-426E-40dd-AFC4-6F175D3DCCD1}">
-              <a14:hiddenFill xmlns="" xmlns:a14="http://schemas.microsoft.com/office/drawing/2010/main">
+              <a14:hiddenFill xmlns:a14="http://schemas.microsoft.com/office/drawing/2010/main" xmlns="">
                 <a:solidFill>
                   <a:srgbClr val="FFFFFF"/>
                 </a:solidFill>
@@ -34725,7 +34752,7 @@
           <a:noFill/>
           <a:extLst>
             <a:ext uri="{909E8E84-426E-40dd-AFC4-6F175D3DCCD1}">
-              <a14:hiddenFill xmlns="" xmlns:a14="http://schemas.microsoft.com/office/drawing/2010/main">
+              <a14:hiddenFill xmlns:a14="http://schemas.microsoft.com/office/drawing/2010/main" xmlns="">
                 <a:solidFill>
                   <a:srgbClr val="FFFFFF"/>
                 </a:solidFill>
@@ -34766,7 +34793,7 @@
           <a:noFill/>
           <a:extLst>
             <a:ext uri="{909E8E84-426E-40dd-AFC4-6F175D3DCCD1}">
-              <a14:hiddenFill xmlns="" xmlns:a14="http://schemas.microsoft.com/office/drawing/2010/main">
+              <a14:hiddenFill xmlns:a14="http://schemas.microsoft.com/office/drawing/2010/main" xmlns="">
                 <a:solidFill>
                   <a:srgbClr val="FFFFFF"/>
                 </a:solidFill>
@@ -34807,7 +34834,7 @@
           <a:noFill/>
           <a:extLst>
             <a:ext uri="{909E8E84-426E-40dd-AFC4-6F175D3DCCD1}">
-              <a14:hiddenFill xmlns="" xmlns:a14="http://schemas.microsoft.com/office/drawing/2010/main">
+              <a14:hiddenFill xmlns:a14="http://schemas.microsoft.com/office/drawing/2010/main" xmlns="">
                 <a:solidFill>
                   <a:srgbClr val="FFFFFF"/>
                 </a:solidFill>
@@ -34848,7 +34875,7 @@
           <a:noFill/>
           <a:extLst>
             <a:ext uri="{909E8E84-426E-40dd-AFC4-6F175D3DCCD1}">
-              <a14:hiddenFill xmlns="" xmlns:a14="http://schemas.microsoft.com/office/drawing/2010/main">
+              <a14:hiddenFill xmlns:a14="http://schemas.microsoft.com/office/drawing/2010/main" xmlns="">
                 <a:solidFill>
                   <a:srgbClr val="FFFFFF"/>
                 </a:solidFill>
@@ -34889,7 +34916,7 @@
           <a:noFill/>
           <a:extLst>
             <a:ext uri="{909E8E84-426E-40dd-AFC4-6F175D3DCCD1}">
-              <a14:hiddenFill xmlns="" xmlns:a14="http://schemas.microsoft.com/office/drawing/2010/main">
+              <a14:hiddenFill xmlns:a14="http://schemas.microsoft.com/office/drawing/2010/main" xmlns="">
                 <a:solidFill>
                   <a:srgbClr val="FFFFFF"/>
                 </a:solidFill>
@@ -34930,7 +34957,7 @@
           <a:noFill/>
           <a:extLst>
             <a:ext uri="{909E8E84-426E-40dd-AFC4-6F175D3DCCD1}">
-              <a14:hiddenFill xmlns="" xmlns:a14="http://schemas.microsoft.com/office/drawing/2010/main">
+              <a14:hiddenFill xmlns:a14="http://schemas.microsoft.com/office/drawing/2010/main" xmlns="">
                 <a:solidFill>
                   <a:srgbClr val="FFFFFF"/>
                 </a:solidFill>
